--- a/Presentation_updated.pptx
+++ b/Presentation_updated.pptx
@@ -1156,6 +1156,9 @@
             <a:fillRect/>
           </a:stretch>
         </a:blipFill>
+        <a:ln>
+          <a:noFill/>
+        </a:ln>
       </dgm:spPr>
       <dgm:extLst>
         <a:ext uri="{E40237B7-FDA0-4F09-8148-C483321AD2D9}">
@@ -1206,6 +1209,9 @@
             <a:fillRect/>
           </a:stretch>
         </a:blipFill>
+        <a:ln>
+          <a:noFill/>
+        </a:ln>
       </dgm:spPr>
       <dgm:extLst>
         <a:ext uri="{E40237B7-FDA0-4F09-8148-C483321AD2D9}">
@@ -1254,6 +1260,9 @@
             <a:fillRect/>
           </a:stretch>
         </a:blipFill>
+        <a:ln>
+          <a:noFill/>
+        </a:ln>
       </dgm:spPr>
       <dgm:extLst>
         <a:ext uri="{E40237B7-FDA0-4F09-8148-C483321AD2D9}">
@@ -1304,6 +1313,9 @@
             <a:fillRect/>
           </a:stretch>
         </a:blipFill>
+        <a:ln>
+          <a:noFill/>
+        </a:ln>
       </dgm:spPr>
       <dgm:extLst>
         <a:ext uri="{E40237B7-FDA0-4F09-8148-C483321AD2D9}">
@@ -1354,6 +1366,9 @@
             <a:fillRect/>
           </a:stretch>
         </a:blipFill>
+        <a:ln>
+          <a:noFill/>
+        </a:ln>
       </dgm:spPr>
       <dgm:extLst>
         <a:ext uri="{E40237B7-FDA0-4F09-8148-C483321AD2D9}">
@@ -1509,14 +1524,7 @@
           </a:stretch>
         </a:blipFill>
         <a:ln w="15875" cap="rnd" cmpd="sng" algn="ctr">
-          <a:solidFill>
-            <a:schemeClr val="lt1">
-              <a:hueOff val="0"/>
-              <a:satOff val="0"/>
-              <a:lumOff val="0"/>
-              <a:alphaOff val="0"/>
-            </a:schemeClr>
-          </a:solidFill>
+          <a:noFill/>
           <a:prstDash val="solid"/>
         </a:ln>
         <a:effectLst/>
@@ -1665,14 +1673,7 @@
           </a:stretch>
         </a:blipFill>
         <a:ln w="15875" cap="rnd" cmpd="sng" algn="ctr">
-          <a:solidFill>
-            <a:schemeClr val="lt1">
-              <a:hueOff val="0"/>
-              <a:satOff val="0"/>
-              <a:lumOff val="0"/>
-              <a:alphaOff val="0"/>
-            </a:schemeClr>
-          </a:solidFill>
+          <a:noFill/>
           <a:prstDash val="solid"/>
         </a:ln>
         <a:effectLst/>
@@ -1819,14 +1820,7 @@
           </a:stretch>
         </a:blipFill>
         <a:ln w="15875" cap="rnd" cmpd="sng" algn="ctr">
-          <a:solidFill>
-            <a:schemeClr val="lt1">
-              <a:hueOff val="0"/>
-              <a:satOff val="0"/>
-              <a:lumOff val="0"/>
-              <a:alphaOff val="0"/>
-            </a:schemeClr>
-          </a:solidFill>
+          <a:noFill/>
           <a:prstDash val="solid"/>
         </a:ln>
         <a:effectLst/>
@@ -1975,14 +1969,7 @@
           </a:stretch>
         </a:blipFill>
         <a:ln w="15875" cap="rnd" cmpd="sng" algn="ctr">
-          <a:solidFill>
-            <a:schemeClr val="lt1">
-              <a:hueOff val="0"/>
-              <a:satOff val="0"/>
-              <a:lumOff val="0"/>
-              <a:alphaOff val="0"/>
-            </a:schemeClr>
-          </a:solidFill>
+          <a:noFill/>
           <a:prstDash val="solid"/>
         </a:ln>
         <a:effectLst/>
@@ -2131,14 +2118,7 @@
           </a:stretch>
         </a:blipFill>
         <a:ln w="15875" cap="rnd" cmpd="sng" algn="ctr">
-          <a:solidFill>
-            <a:schemeClr val="lt1">
-              <a:hueOff val="0"/>
-              <a:satOff val="0"/>
-              <a:lumOff val="0"/>
-              <a:alphaOff val="0"/>
-            </a:schemeClr>
-          </a:solidFill>
+          <a:noFill/>
           <a:prstDash val="solid"/>
         </a:ln>
         <a:effectLst/>
@@ -12025,7 +12005,7 @@
         </p:blipFill>
         <p:spPr bwMode="auto">
           <a:xfrm>
-            <a:off x="1476975" y="2993033"/>
+            <a:off x="1484957" y="1945468"/>
             <a:ext cx="4260571" cy="2606297"/>
           </a:xfrm>
           <a:prstGeom prst="rect">
@@ -12070,7 +12050,7 @@
         </p:blipFill>
         <p:spPr bwMode="auto">
           <a:xfrm>
-            <a:off x="6094714" y="4127365"/>
+            <a:off x="5086145" y="4074099"/>
             <a:ext cx="5923945" cy="2070566"/>
           </a:xfrm>
           <a:prstGeom prst="rect">
@@ -12344,42 +12324,6 @@
           </a:p>
         </p:txBody>
       </p:sp>
-      <p:pic>
-        <p:nvPicPr>
-          <p:cNvPr id="6" name="Picture 5" descr="Icon&#10;&#10;Description automatically generated with low confidence">
-            <a:extLst>
-              <a:ext uri="{FF2B5EF4-FFF2-40B4-BE49-F238E27FC236}">
-                <a16:creationId xmlns:a16="http://schemas.microsoft.com/office/drawing/2014/main" id="{B480EE6A-C2B0-4047-B578-BD88A70FA889}"/>
-              </a:ext>
-            </a:extLst>
-          </p:cNvPr>
-          <p:cNvPicPr>
-            <a:picLocks noChangeAspect="1"/>
-          </p:cNvPicPr>
-          <p:nvPr/>
-        </p:nvPicPr>
-        <p:blipFill>
-          <a:blip r:embed="rId6">
-            <a:extLst>
-              <a:ext uri="{28A0092B-C50C-407E-A947-70E740481C1C}">
-                <a14:useLocalDpi xmlns:a14="http://schemas.microsoft.com/office/drawing/2010/main" val="0"/>
-              </a:ext>
-            </a:extLst>
-          </a:blip>
-          <a:stretch>
-            <a:fillRect/>
-          </a:stretch>
-        </p:blipFill>
-        <p:spPr>
-          <a:xfrm>
-            <a:off x="6702641" y="1737216"/>
-            <a:ext cx="5023265" cy="2511633"/>
-          </a:xfrm>
-          <a:prstGeom prst="rect">
-            <a:avLst/>
-          </a:prstGeom>
-        </p:spPr>
-      </p:pic>
     </p:spTree>
     <p:extLst>
       <p:ext uri="{BB962C8B-B14F-4D97-AF65-F5344CB8AC3E}">
@@ -19039,7 +18983,7 @@
           <p:nvPr>
             <p:extLst>
               <p:ext uri="{D42A27DB-BD31-4B8C-83A1-F6EECF244321}">
-                <p14:modId xmlns:p14="http://schemas.microsoft.com/office/powerpoint/2010/main" val="2697998607"/>
+                <p14:modId xmlns:p14="http://schemas.microsoft.com/office/powerpoint/2010/main" val="3933272144"/>
               </p:ext>
             </p:extLst>
           </p:nvPr>
@@ -21502,7 +21446,7 @@
         </p:blipFill>
         <p:spPr bwMode="auto">
           <a:xfrm>
-            <a:off x="2999480" y="2500470"/>
+            <a:off x="2999478" y="2184477"/>
             <a:ext cx="6193039" cy="2790855"/>
           </a:xfrm>
           <a:prstGeom prst="rect">
@@ -21776,6 +21720,42 @@
           </a:p>
         </p:txBody>
       </p:sp>
+      <p:pic>
+        <p:nvPicPr>
+          <p:cNvPr id="9" name="Picture 8" descr="Icon&#10;&#10;Description automatically generated with low confidence">
+            <a:extLst>
+              <a:ext uri="{FF2B5EF4-FFF2-40B4-BE49-F238E27FC236}">
+                <a16:creationId xmlns:a16="http://schemas.microsoft.com/office/drawing/2014/main" id="{D275AAFE-FF98-45CE-B208-DA7728DAB8A6}"/>
+              </a:ext>
+            </a:extLst>
+          </p:cNvPr>
+          <p:cNvPicPr>
+            <a:picLocks noChangeAspect="1"/>
+          </p:cNvPicPr>
+          <p:nvPr/>
+        </p:nvPicPr>
+        <p:blipFill>
+          <a:blip r:embed="rId5">
+            <a:extLst>
+              <a:ext uri="{28A0092B-C50C-407E-A947-70E740481C1C}">
+                <a14:useLocalDpi xmlns:a14="http://schemas.microsoft.com/office/drawing/2010/main" val="0"/>
+              </a:ext>
+            </a:extLst>
+          </a:blip>
+          <a:stretch>
+            <a:fillRect/>
+          </a:stretch>
+        </p:blipFill>
+        <p:spPr>
+          <a:xfrm>
+            <a:off x="3584364" y="4711675"/>
+            <a:ext cx="5023265" cy="2511633"/>
+          </a:xfrm>
+          <a:prstGeom prst="rect">
+            <a:avLst/>
+          </a:prstGeom>
+        </p:spPr>
+      </p:pic>
     </p:spTree>
     <p:extLst>
       <p:ext uri="{BB962C8B-B14F-4D97-AF65-F5344CB8AC3E}">
